--- a/Control Flow Graph.pptx
+++ b/Control Flow Graph.pptx
@@ -4788,7 +4788,7 @@
         </p:nvSpPr>
         <p:spPr>
           <a:xfrm>
-            <a:off x="381000" y="2332037"/>
+            <a:off x="533400" y="2362200"/>
             <a:ext cx="5562600" cy="3459163"/>
           </a:xfrm>
         </p:spPr>
@@ -4917,7 +4917,7 @@
         </p:blipFill>
         <p:spPr bwMode="auto">
           <a:xfrm>
-            <a:off x="5943600" y="1981200"/>
+            <a:off x="6096000" y="1981200"/>
             <a:ext cx="2895600" cy="3429000"/>
           </a:xfrm>
           <a:prstGeom prst="rect">
@@ -4964,8 +4964,8 @@
         </p:nvSpPr>
         <p:spPr>
           <a:xfrm>
-            <a:off x="228600" y="2362200"/>
-            <a:ext cx="381000" cy="484632"/>
+            <a:off x="457200" y="2286000"/>
+            <a:ext cx="381000" cy="381000"/>
           </a:xfrm>
           <a:prstGeom prst="rightArrow">
             <a:avLst/>
@@ -5004,8 +5004,8 @@
         </p:nvSpPr>
         <p:spPr>
           <a:xfrm>
-            <a:off x="228600" y="3581400"/>
-            <a:ext cx="381000" cy="484632"/>
+            <a:off x="457200" y="3657600"/>
+            <a:ext cx="381000" cy="381000"/>
           </a:xfrm>
           <a:prstGeom prst="rightArrow">
             <a:avLst/>
@@ -5044,8 +5044,8 @@
         </p:nvSpPr>
         <p:spPr>
           <a:xfrm>
-            <a:off x="228600" y="4572000"/>
-            <a:ext cx="381000" cy="484632"/>
+            <a:off x="457200" y="4648200"/>
+            <a:ext cx="381000" cy="381000"/>
           </a:xfrm>
           <a:prstGeom prst="rightArrow">
             <a:avLst/>
@@ -5110,7 +5110,7 @@
       </p:grpSpPr>
       <p:sp>
         <p:nvSpPr>
-          <p:cNvPr id="2" name="Content Placeholder 1"/>
+          <p:cNvPr id="5" name="Content Placeholder 4"/>
           <p:cNvSpPr>
             <a:spLocks noGrp="1"/>
           </p:cNvSpPr>
@@ -5123,10 +5123,6 @@
           <a:bodyPr/>
           <a:lstStyle/>
           <a:p>
-            <a:r>
-              <a:rPr lang="en-US" dirty="0" smtClean="0"/>
-              <a:t>T</a:t>
-            </a:r>
             <a:endParaRPr lang="en-US" dirty="0"/>
           </a:p>
         </p:txBody>
@@ -5147,7 +5143,7 @@
           <a:lstStyle/>
           <a:p>
             <a:r>
-              <a:rPr lang="en-US" dirty="0" smtClean="0"/>
+              <a:rPr lang="en-US" smtClean="0"/>
               <a:t>Motivations</a:t>
             </a:r>
             <a:endParaRPr lang="en-US" dirty="0"/>
@@ -5191,7 +5187,9 @@
         </p:nvSpPr>
         <p:spPr/>
         <p:txBody>
-          <a:bodyPr/>
+          <a:bodyPr>
+            <a:normAutofit fontScale="92500" lnSpcReduction="20000"/>
+          </a:bodyPr>
           <a:lstStyle/>
           <a:p>
             <a:pPr>
@@ -5202,14 +5200,28 @@
           <a:p>
             <a:r>
               <a:rPr lang="en-US" dirty="0" smtClean="0"/>
-              <a:t>Parsing C source codes</a:t>
-            </a:r>
-          </a:p>
-          <a:p>
+              <a:t>Parsing C source </a:t>
+            </a:r>
             <a:r>
               <a:rPr lang="en-US" dirty="0" smtClean="0"/>
-              <a:t>Detecting Statements </a:t>
-            </a:r>
+              <a:t>codes</a:t>
+            </a:r>
+          </a:p>
+          <a:p>
+            <a:endParaRPr lang="en-US" dirty="0" smtClean="0"/>
+          </a:p>
+          <a:p>
+            <a:r>
+              <a:rPr lang="en-US" dirty="0" smtClean="0"/>
+              <a:t>Detecting </a:t>
+            </a:r>
+            <a:r>
+              <a:rPr lang="en-US" dirty="0" smtClean="0"/>
+              <a:t>Statements  </a:t>
+            </a:r>
+          </a:p>
+          <a:p>
+            <a:endParaRPr lang="en-US" dirty="0" smtClean="0"/>
           </a:p>
           <a:p>
             <a:r>
@@ -5218,28 +5230,34 @@
             </a:r>
             <a:r>
               <a:rPr lang="en-US" dirty="0" smtClean="0"/>
-              <a:t>do-while</a:t>
-            </a:r>
+              <a:t>do-while)</a:t>
+            </a:r>
+          </a:p>
+          <a:p>
+            <a:endParaRPr lang="en-US" dirty="0" smtClean="0"/>
+          </a:p>
+          <a:p>
             <a:r>
               <a:rPr lang="en-US" dirty="0" smtClean="0"/>
-              <a:t>)</a:t>
-            </a:r>
-          </a:p>
-          <a:p>
+              <a:t>Detecting </a:t>
+            </a:r>
             <a:r>
               <a:rPr lang="en-US" dirty="0" smtClean="0"/>
-              <a:t>Detecting If-else</a:t>
-            </a:r>
+              <a:t>If-else</a:t>
+            </a:r>
+          </a:p>
+          <a:p>
+            <a:endParaRPr lang="en-US" dirty="0" smtClean="0"/>
           </a:p>
           <a:p>
             <a:r>
               <a:rPr lang="en-US" dirty="0" smtClean="0"/>
-              <a:t>Implementing CFG using Linked </a:t>
-            </a:r>
-            <a:r>
-              <a:rPr lang="en-US" dirty="0" smtClean="0"/>
-              <a:t>Lists</a:t>
-            </a:r>
+              <a:t>Implementing CFG </a:t>
+            </a:r>
+            <a:endParaRPr lang="en-US" dirty="0" smtClean="0"/>
+          </a:p>
+          <a:p>
+            <a:endParaRPr lang="en-US" dirty="0" smtClean="0"/>
           </a:p>
           <a:p>
             <a:r>
@@ -5337,22 +5355,34 @@
             </a:r>
           </a:p>
           <a:p>
+            <a:endParaRPr lang="en-US" dirty="0" smtClean="0"/>
+          </a:p>
+          <a:p>
             <a:r>
               <a:rPr lang="en-US" dirty="0" smtClean="0"/>
               <a:t>Detecting Statements </a:t>
             </a:r>
           </a:p>
           <a:p>
+            <a:endParaRPr lang="en-US" dirty="0" smtClean="0"/>
+          </a:p>
+          <a:p>
             <a:r>
               <a:rPr lang="en-US" dirty="0" smtClean="0"/>
               <a:t>Detecting Loops (for, while, do-while)</a:t>
             </a:r>
           </a:p>
           <a:p>
+            <a:endParaRPr lang="en-US" dirty="0" smtClean="0"/>
+          </a:p>
+          <a:p>
             <a:r>
               <a:rPr lang="en-US" dirty="0" smtClean="0"/>
               <a:t>Detecting If-else</a:t>
             </a:r>
+          </a:p>
+          <a:p>
+            <a:endParaRPr lang="en-US" dirty="0" smtClean="0"/>
           </a:p>
           <a:p>
             <a:r>
@@ -5426,28 +5456,31 @@
             <p:ph idx="1"/>
           </p:nvPr>
         </p:nvSpPr>
-        <p:spPr/>
+        <p:spPr>
+          <a:xfrm>
+            <a:off x="457200" y="1981200"/>
+            <a:ext cx="8229600" cy="4525963"/>
+          </a:xfrm>
+        </p:spPr>
         <p:txBody>
           <a:bodyPr/>
           <a:lstStyle/>
           <a:p>
-            <a:r>
-              <a:rPr lang="en-US" dirty="0" smtClean="0"/>
-              <a:t>Implementing all the library </a:t>
-            </a:r>
-            <a:r>
-              <a:rPr lang="en-US" dirty="0" err="1" smtClean="0"/>
-              <a:t>functons</a:t>
-            </a:r>
-            <a:r>
-              <a:rPr lang="en-US" dirty="0" smtClean="0"/>
-              <a:t> that has been used</a:t>
-            </a:r>
+            <a:pPr>
+              <a:buNone/>
+            </a:pPr>
+            <a:endParaRPr lang="en-US" dirty="0" smtClean="0"/>
           </a:p>
           <a:p>
             <a:r>
               <a:rPr lang="en-US" dirty="0" smtClean="0"/>
               <a:t>Simulating the CFG using MINIMUM library use</a:t>
+            </a:r>
+          </a:p>
+          <a:p>
+            <a:r>
+              <a:rPr lang="en-US" dirty="0" smtClean="0"/>
+              <a:t>Increasing Efficiency as much as possible</a:t>
             </a:r>
             <a:endParaRPr lang="en-US" dirty="0"/>
           </a:p>
